--- a/Intel.pptx
+++ b/Intel.pptx
@@ -14,7 +14,8 @@
     <p:sldId id="261" r:id="rId8"/>
     <p:sldId id="262" r:id="rId9"/>
     <p:sldId id="263" r:id="rId10"/>
-    <p:sldId id="265" r:id="rId11"/>
+    <p:sldId id="266" r:id="rId11"/>
+    <p:sldId id="265" r:id="rId12"/>
   </p:sldIdLst>
   <p:sldSz cx="12192000" cy="6858000"/>
   <p:notesSz cx="6858000" cy="9144000"/>
@@ -254,7 +255,7 @@
           <a:p>
             <a:fld id="{83F95722-58E1-43E7-B72E-6BB163E921D5}" type="datetimeFigureOut">
               <a:rPr lang="en-IN" smtClean="0"/>
-              <a:t>05-10-2024</a:t>
+              <a:t>08-10-2024</a:t>
             </a:fld>
             <a:endParaRPr lang="en-IN"/>
           </a:p>
@@ -541,7 +542,7 @@
           <a:p>
             <a:fld id="{83F95722-58E1-43E7-B72E-6BB163E921D5}" type="datetimeFigureOut">
               <a:rPr lang="en-IN" smtClean="0"/>
-              <a:t>05-10-2024</a:t>
+              <a:t>08-10-2024</a:t>
             </a:fld>
             <a:endParaRPr lang="en-IN"/>
           </a:p>
@@ -733,7 +734,7 @@
           <a:p>
             <a:fld id="{83F95722-58E1-43E7-B72E-6BB163E921D5}" type="datetimeFigureOut">
               <a:rPr lang="en-IN" smtClean="0"/>
-              <a:t>05-10-2024</a:t>
+              <a:t>08-10-2024</a:t>
             </a:fld>
             <a:endParaRPr lang="en-IN"/>
           </a:p>
@@ -994,7 +995,7 @@
           <a:p>
             <a:fld id="{83F95722-58E1-43E7-B72E-6BB163E921D5}" type="datetimeFigureOut">
               <a:rPr lang="en-IN" smtClean="0"/>
-              <a:t>05-10-2024</a:t>
+              <a:t>08-10-2024</a:t>
             </a:fld>
             <a:endParaRPr lang="en-IN"/>
           </a:p>
@@ -1418,7 +1419,7 @@
           <a:p>
             <a:fld id="{83F95722-58E1-43E7-B72E-6BB163E921D5}" type="datetimeFigureOut">
               <a:rPr lang="en-IN" smtClean="0"/>
-              <a:t>05-10-2024</a:t>
+              <a:t>08-10-2024</a:t>
             </a:fld>
             <a:endParaRPr lang="en-IN"/>
           </a:p>
@@ -1964,7 +1965,7 @@
           <a:p>
             <a:fld id="{83F95722-58E1-43E7-B72E-6BB163E921D5}" type="datetimeFigureOut">
               <a:rPr lang="en-IN" smtClean="0"/>
-              <a:t>05-10-2024</a:t>
+              <a:t>08-10-2024</a:t>
             </a:fld>
             <a:endParaRPr lang="en-IN"/>
           </a:p>
@@ -2804,7 +2805,7 @@
           <a:p>
             <a:fld id="{83F95722-58E1-43E7-B72E-6BB163E921D5}" type="datetimeFigureOut">
               <a:rPr lang="en-IN" smtClean="0"/>
-              <a:t>05-10-2024</a:t>
+              <a:t>08-10-2024</a:t>
             </a:fld>
             <a:endParaRPr lang="en-IN"/>
           </a:p>
@@ -2974,7 +2975,7 @@
           <a:p>
             <a:fld id="{83F95722-58E1-43E7-B72E-6BB163E921D5}" type="datetimeFigureOut">
               <a:rPr lang="en-IN" smtClean="0"/>
-              <a:t>05-10-2024</a:t>
+              <a:t>08-10-2024</a:t>
             </a:fld>
             <a:endParaRPr lang="en-IN"/>
           </a:p>
@@ -3158,7 +3159,7 @@
           <a:p>
             <a:fld id="{83F95722-58E1-43E7-B72E-6BB163E921D5}" type="datetimeFigureOut">
               <a:rPr lang="en-IN" smtClean="0"/>
-              <a:t>05-10-2024</a:t>
+              <a:t>08-10-2024</a:t>
             </a:fld>
             <a:endParaRPr lang="en-IN"/>
           </a:p>
@@ -3328,7 +3329,7 @@
           <a:p>
             <a:fld id="{83F95722-58E1-43E7-B72E-6BB163E921D5}" type="datetimeFigureOut">
               <a:rPr lang="en-IN" smtClean="0"/>
-              <a:t>05-10-2024</a:t>
+              <a:t>08-10-2024</a:t>
             </a:fld>
             <a:endParaRPr lang="en-IN"/>
           </a:p>
@@ -3576,7 +3577,7 @@
           <a:p>
             <a:fld id="{83F95722-58E1-43E7-B72E-6BB163E921D5}" type="datetimeFigureOut">
               <a:rPr lang="en-IN" smtClean="0"/>
-              <a:t>05-10-2024</a:t>
+              <a:t>08-10-2024</a:t>
             </a:fld>
             <a:endParaRPr lang="en-IN"/>
           </a:p>
@@ -3813,7 +3814,7 @@
           <a:p>
             <a:fld id="{83F95722-58E1-43E7-B72E-6BB163E921D5}" type="datetimeFigureOut">
               <a:rPr lang="en-IN" smtClean="0"/>
-              <a:t>05-10-2024</a:t>
+              <a:t>08-10-2024</a:t>
             </a:fld>
             <a:endParaRPr lang="en-IN"/>
           </a:p>
@@ -4186,7 +4187,7 @@
           <a:p>
             <a:fld id="{83F95722-58E1-43E7-B72E-6BB163E921D5}" type="datetimeFigureOut">
               <a:rPr lang="en-IN" smtClean="0"/>
-              <a:t>05-10-2024</a:t>
+              <a:t>08-10-2024</a:t>
             </a:fld>
             <a:endParaRPr lang="en-IN"/>
           </a:p>
@@ -4304,7 +4305,7 @@
           <a:p>
             <a:fld id="{83F95722-58E1-43E7-B72E-6BB163E921D5}" type="datetimeFigureOut">
               <a:rPr lang="en-IN" smtClean="0"/>
-              <a:t>05-10-2024</a:t>
+              <a:t>08-10-2024</a:t>
             </a:fld>
             <a:endParaRPr lang="en-IN"/>
           </a:p>
@@ -4399,7 +4400,7 @@
           <a:p>
             <a:fld id="{83F95722-58E1-43E7-B72E-6BB163E921D5}" type="datetimeFigureOut">
               <a:rPr lang="en-IN" smtClean="0"/>
-              <a:t>05-10-2024</a:t>
+              <a:t>08-10-2024</a:t>
             </a:fld>
             <a:endParaRPr lang="en-IN"/>
           </a:p>
@@ -4650,7 +4651,7 @@
           <a:p>
             <a:fld id="{83F95722-58E1-43E7-B72E-6BB163E921D5}" type="datetimeFigureOut">
               <a:rPr lang="en-IN" smtClean="0"/>
-              <a:t>05-10-2024</a:t>
+              <a:t>08-10-2024</a:t>
             </a:fld>
             <a:endParaRPr lang="en-IN"/>
           </a:p>
@@ -4937,7 +4938,7 @@
           <a:p>
             <a:fld id="{83F95722-58E1-43E7-B72E-6BB163E921D5}" type="datetimeFigureOut">
               <a:rPr lang="en-IN" smtClean="0"/>
-              <a:t>05-10-2024</a:t>
+              <a:t>08-10-2024</a:t>
             </a:fld>
             <a:endParaRPr lang="en-IN"/>
           </a:p>
@@ -5150,7 +5151,7 @@
           <a:p>
             <a:fld id="{83F95722-58E1-43E7-B72E-6BB163E921D5}" type="datetimeFigureOut">
               <a:rPr lang="en-IN" smtClean="0"/>
-              <a:t>05-10-2024</a:t>
+              <a:t>08-10-2024</a:t>
             </a:fld>
             <a:endParaRPr lang="en-IN"/>
           </a:p>
@@ -5885,7 +5886,7 @@
                 <a:latin typeface="Algerian" panose="04020705040A02060702" pitchFamily="82" charset="0"/>
                 <a:cs typeface="Times New Roman" panose="02020603050405020304" pitchFamily="18" charset="0"/>
               </a:rPr>
-              <a:t>REAL TIME VITAL SCIENCE ANAMOLY DEDUCTION</a:t>
+              <a:t>REAL TIME VITAL SIGNS ANAMOLY DEDUCTION</a:t>
             </a:r>
             <a:endParaRPr lang="en-IN" sz="4000" b="1" dirty="0">
               <a:effectLst>
@@ -5968,6 +5969,240 @@
 </file>
 
 <file path=ppt/slides/slide10.xml><?xml version="1.0" encoding="utf-8"?>
+<p:sld xmlns:a="http://schemas.openxmlformats.org/drawingml/2006/main" xmlns:r="http://schemas.openxmlformats.org/officeDocument/2006/relationships" xmlns:p="http://schemas.openxmlformats.org/presentationml/2006/main">
+  <p:cSld>
+    <p:spTree>
+      <p:nvGrpSpPr>
+        <p:cNvPr id="1" name=""/>
+        <p:cNvGrpSpPr/>
+        <p:nvPr/>
+      </p:nvGrpSpPr>
+      <p:grpSpPr>
+        <a:xfrm>
+          <a:off x="0" y="0"/>
+          <a:ext cx="0" cy="0"/>
+          <a:chOff x="0" y="0"/>
+          <a:chExt cx="0" cy="0"/>
+        </a:xfrm>
+      </p:grpSpPr>
+      <p:sp>
+        <p:nvSpPr>
+          <p:cNvPr id="2" name="TextBox 1">
+            <a:extLst>
+              <a:ext uri="{FF2B5EF4-FFF2-40B4-BE49-F238E27FC236}">
+                <a16:creationId xmlns:a16="http://schemas.microsoft.com/office/drawing/2014/main" id="{4298C201-61DF-D8FE-9E03-4D2B43627CBD}"/>
+              </a:ext>
+            </a:extLst>
+          </p:cNvPr>
+          <p:cNvSpPr txBox="1"/>
+          <p:nvPr/>
+        </p:nvSpPr>
+        <p:spPr>
+          <a:xfrm>
+            <a:off x="2198782" y="2463404"/>
+            <a:ext cx="8088923" cy="2677656"/>
+          </a:xfrm>
+          <a:prstGeom prst="rect">
+            <a:avLst/>
+          </a:prstGeom>
+          <a:noFill/>
+        </p:spPr>
+        <p:txBody>
+          <a:bodyPr wrap="square" rtlCol="0">
+            <a:spAutoFit/>
+          </a:bodyPr>
+          <a:lstStyle/>
+          <a:p>
+            <a:pPr marL="457200" indent="-457200">
+              <a:buFont typeface="+mj-lt"/>
+              <a:buAutoNum type="arabicPeriod"/>
+            </a:pPr>
+            <a:r>
+              <a:rPr lang="en-IN" sz="2400" b="0" i="0" dirty="0">
+                <a:effectLst/>
+                <a:latin typeface="Cambria" panose="02040503050406030204" pitchFamily="18" charset="0"/>
+                <a:ea typeface="Cambria" panose="02040503050406030204" pitchFamily="18" charset="0"/>
+              </a:rPr>
+              <a:t>Data Acquisition and Preprocessing</a:t>
+            </a:r>
+          </a:p>
+          <a:p>
+            <a:pPr marL="457200" indent="-457200">
+              <a:buFont typeface="+mj-lt"/>
+              <a:buAutoNum type="arabicPeriod"/>
+            </a:pPr>
+            <a:r>
+              <a:rPr lang="en-IN" sz="2400" b="0" i="0" dirty="0">
+                <a:effectLst/>
+                <a:latin typeface="Cambria" panose="02040503050406030204" pitchFamily="18" charset="0"/>
+                <a:ea typeface="Cambria" panose="02040503050406030204" pitchFamily="18" charset="0"/>
+              </a:rPr>
+              <a:t>Feature Engineering - Time-Series Data Handling</a:t>
+            </a:r>
+          </a:p>
+          <a:p>
+            <a:pPr marL="457200" indent="-457200">
+              <a:buFont typeface="+mj-lt"/>
+              <a:buAutoNum type="arabicPeriod"/>
+            </a:pPr>
+            <a:r>
+              <a:rPr lang="en-IN" sz="2400" b="0" i="0" dirty="0">
+                <a:effectLst/>
+                <a:latin typeface="Cambria" panose="02040503050406030204" pitchFamily="18" charset="0"/>
+                <a:ea typeface="Cambria" panose="02040503050406030204" pitchFamily="18" charset="0"/>
+              </a:rPr>
+              <a:t>Recurrent Neural Networks (RNNs) or LSTMs</a:t>
+            </a:r>
+          </a:p>
+          <a:p>
+            <a:pPr marL="457200" indent="-457200">
+              <a:buFont typeface="+mj-lt"/>
+              <a:buAutoNum type="arabicPeriod"/>
+            </a:pPr>
+            <a:r>
+              <a:rPr lang="en-IN" sz="2400" b="0" i="0" dirty="0">
+                <a:effectLst/>
+                <a:latin typeface="Cambria" panose="02040503050406030204" pitchFamily="18" charset="0"/>
+                <a:ea typeface="Cambria" panose="02040503050406030204" pitchFamily="18" charset="0"/>
+              </a:rPr>
+              <a:t>Generative Adversarial Networks (GANs)</a:t>
+            </a:r>
+          </a:p>
+          <a:p>
+            <a:pPr marL="457200" indent="-457200">
+              <a:buFont typeface="+mj-lt"/>
+              <a:buAutoNum type="arabicPeriod"/>
+            </a:pPr>
+            <a:r>
+              <a:rPr lang="en-IN" sz="2400" b="0" i="0" dirty="0">
+                <a:effectLst/>
+                <a:latin typeface="Cambria" panose="02040503050406030204" pitchFamily="18" charset="0"/>
+                <a:ea typeface="Cambria" panose="02040503050406030204" pitchFamily="18" charset="0"/>
+              </a:rPr>
+              <a:t>Streaming Data Processing</a:t>
+            </a:r>
+          </a:p>
+          <a:p>
+            <a:pPr marL="457200" indent="-457200">
+              <a:buFont typeface="+mj-lt"/>
+              <a:buAutoNum type="arabicPeriod"/>
+            </a:pPr>
+            <a:r>
+              <a:rPr lang="en-IN" sz="2400" b="0" i="0" dirty="0">
+                <a:effectLst/>
+                <a:latin typeface="Cambria" panose="02040503050406030204" pitchFamily="18" charset="0"/>
+                <a:ea typeface="Cambria" panose="02040503050406030204" pitchFamily="18" charset="0"/>
+              </a:rPr>
+              <a:t>Edge Computing</a:t>
+            </a:r>
+          </a:p>
+          <a:p>
+            <a:pPr marL="457200" indent="-457200">
+              <a:buFont typeface="+mj-lt"/>
+              <a:buAutoNum type="arabicPeriod"/>
+            </a:pPr>
+            <a:r>
+              <a:rPr lang="en-IN" sz="2400" b="0" i="0" dirty="0">
+                <a:effectLst/>
+                <a:latin typeface="Cambria" panose="02040503050406030204" pitchFamily="18" charset="0"/>
+                <a:ea typeface="Cambria" panose="02040503050406030204" pitchFamily="18" charset="0"/>
+              </a:rPr>
+              <a:t>Natural Language Processing (NLP)</a:t>
+            </a:r>
+            <a:endParaRPr lang="en-IN" dirty="0">
+              <a:latin typeface="Cambria" panose="02040503050406030204" pitchFamily="18" charset="0"/>
+              <a:ea typeface="Cambria" panose="02040503050406030204" pitchFamily="18" charset="0"/>
+              <a:cs typeface="Times New Roman" panose="02020603050405020304" pitchFamily="18" charset="0"/>
+            </a:endParaRPr>
+          </a:p>
+        </p:txBody>
+      </p:sp>
+      <p:sp>
+        <p:nvSpPr>
+          <p:cNvPr id="3" name="Rectangle 2">
+            <a:extLst>
+              <a:ext uri="{FF2B5EF4-FFF2-40B4-BE49-F238E27FC236}">
+                <a16:creationId xmlns:a16="http://schemas.microsoft.com/office/drawing/2014/main" id="{85A58606-90EF-D337-ED49-F2B9FC8663A8}"/>
+              </a:ext>
+            </a:extLst>
+          </p:cNvPr>
+          <p:cNvSpPr/>
+          <p:nvPr/>
+        </p:nvSpPr>
+        <p:spPr>
+          <a:xfrm>
+            <a:off x="3215243" y="644012"/>
+            <a:ext cx="5761514" cy="707886"/>
+          </a:xfrm>
+          <a:prstGeom prst="rect">
+            <a:avLst/>
+          </a:prstGeom>
+          <a:noFill/>
+        </p:spPr>
+        <p:txBody>
+          <a:bodyPr wrap="none" lIns="91440" tIns="45720" rIns="91440" bIns="45720">
+            <a:spAutoFit/>
+          </a:bodyPr>
+          <a:lstStyle/>
+          <a:p>
+            <a:pPr algn="ctr"/>
+            <a:r>
+              <a:rPr lang="en-US" sz="4000" dirty="0">
+                <a:ln w="0"/>
+                <a:solidFill>
+                  <a:schemeClr val="tx2">
+                    <a:lumMod val="75000"/>
+                  </a:schemeClr>
+                </a:solidFill>
+                <a:effectLst>
+                  <a:reflection blurRad="6350" stA="53000" endA="300" endPos="35500" dir="5400000" sy="-90000" algn="bl" rotWithShape="0"/>
+                </a:effectLst>
+                <a:latin typeface="Algerian" panose="04020705040A02060702" pitchFamily="82" charset="0"/>
+                <a:cs typeface="Times New Roman" panose="02020603050405020304" pitchFamily="18" charset="0"/>
+              </a:rPr>
+              <a:t>Possible INNOVATIONS</a:t>
+            </a:r>
+            <a:endParaRPr lang="en-US" sz="4000" dirty="0">
+              <a:ln w="12700">
+                <a:solidFill>
+                  <a:schemeClr val="tx2">
+                    <a:lumMod val="75000"/>
+                  </a:schemeClr>
+                </a:solidFill>
+                <a:prstDash val="solid"/>
+              </a:ln>
+              <a:solidFill>
+                <a:schemeClr val="tx2">
+                  <a:lumMod val="75000"/>
+                </a:schemeClr>
+              </a:solidFill>
+              <a:effectLst>
+                <a:outerShdw dist="38100" dir="2640000" algn="bl" rotWithShape="0">
+                  <a:schemeClr val="tx2">
+                    <a:lumMod val="75000"/>
+                  </a:schemeClr>
+                </a:outerShdw>
+              </a:effectLst>
+              <a:latin typeface="Algerian" panose="04020705040A02060702" pitchFamily="82" charset="0"/>
+              <a:cs typeface="Times New Roman" panose="02020603050405020304" pitchFamily="18" charset="0"/>
+            </a:endParaRPr>
+          </a:p>
+        </p:txBody>
+      </p:sp>
+    </p:spTree>
+    <p:extLst>
+      <p:ext uri="{BB962C8B-B14F-4D97-AF65-F5344CB8AC3E}">
+        <p14:creationId xmlns:p14="http://schemas.microsoft.com/office/powerpoint/2010/main" val="1390482687"/>
+      </p:ext>
+    </p:extLst>
+  </p:cSld>
+  <p:clrMapOvr>
+    <a:masterClrMapping/>
+  </p:clrMapOvr>
+</p:sld>
+</file>
+
+<file path=ppt/slides/slide11.xml><?xml version="1.0" encoding="utf-8"?>
 <p:sld xmlns:a="http://schemas.openxmlformats.org/drawingml/2006/main" xmlns:r="http://schemas.openxmlformats.org/officeDocument/2006/relationships" xmlns:p="http://schemas.openxmlformats.org/presentationml/2006/main">
   <p:cSld>
     <p:spTree>
